--- a/agile moves/Teamtool (TTO)/ger_TTO_02_An_einem_Strang_ziehen.pptx
+++ b/agile moves/Teamtool (TTO)/ger_TTO_02_An_einem_Strang_ziehen.pptx
@@ -107,7 +107,7 @@
   </p:defaultTextStyle>
   <p:extLst>
     <p:ext uri="{EFAFB233-063F-42B5-8137-9DF3F51BA10A}">
-      <p15:sldGuideLst xmlns:p15="http://schemas.microsoft.com/office/powerpoint/2012/main" xmlns="">
+      <p15:sldGuideLst xmlns="" xmlns:p15="http://schemas.microsoft.com/office/powerpoint/2012/main">
         <p15:guide id="1" orient="horz" pos="1103">
           <p15:clr>
             <a:srgbClr val="A4A3A4"/>
@@ -736,7 +736,7 @@
           <a:p>
             <a:fld id="{FF5B2BAF-DF38-0A48-A798-0C06E514FD52}" type="datetimeFigureOut">
               <a:rPr lang="de-DE" smtClean="0"/>
-              <a:t>28.05.15</a:t>
+              <a:t>30.05.15</a:t>
             </a:fld>
             <a:endParaRPr lang="de-DE" dirty="0"/>
           </a:p>
@@ -959,7 +959,7 @@
           <a:p>
             <a:fld id="{FF5B2BAF-DF38-0A48-A798-0C06E514FD52}" type="datetimeFigureOut">
               <a:rPr lang="de-DE" smtClean="0"/>
-              <a:t>28.05.15</a:t>
+              <a:t>30.05.15</a:t>
             </a:fld>
             <a:endParaRPr lang="de-DE" dirty="0"/>
           </a:p>
@@ -1618,15 +1618,7 @@
             <a:pPr lvl="0"/>
             <a:r>
               <a:rPr lang="de-DE" dirty="0" smtClean="0"/>
-              <a:t>Wenn man zu zweit arbeitet geht es darum</a:t>
-            </a:r>
-            <a:r>
-              <a:rPr lang="de-DE" dirty="0" smtClean="0"/>
-              <a:t>, </a:t>
-            </a:r>
-            <a:r>
-              <a:rPr lang="de-DE" dirty="0" smtClean="0"/>
-              <a:t>Synergien </a:t>
+              <a:t>Wenn man zu zweit arbeitet geht es darum, Synergien </a:t>
             </a:r>
             <a:r>
               <a:rPr lang="de-DE" dirty="0"/>
@@ -1653,11 +1645,7 @@
             <a:pPr lvl="0"/>
             <a:r>
               <a:rPr lang="de-DE" dirty="0" smtClean="0"/>
-              <a:t>In der Softwareentwicklung treffen sich hierzu z.B. zwei Entwickler </a:t>
-            </a:r>
-            <a:r>
-              <a:rPr lang="de-DE" dirty="0" smtClean="0"/>
-              <a:t>oder zwei </a:t>
+              <a:t>In der Softwareentwicklung treffen sich hierzu z.B. zwei Entwickler oder zwei </a:t>
             </a:r>
             <a:r>
               <a:rPr lang="de-DE" dirty="0" err="1" smtClean="0"/>
@@ -1665,31 +1653,7 @@
             </a:r>
             <a:r>
               <a:rPr lang="de-DE" dirty="0" smtClean="0"/>
-              <a:t> vor </a:t>
-            </a:r>
-            <a:r>
-              <a:rPr lang="de-DE" dirty="0" smtClean="0"/>
-              <a:t>einem </a:t>
-            </a:r>
-            <a:r>
-              <a:rPr lang="de-DE" dirty="0" smtClean="0"/>
-              <a:t>Rechner oder virtuell </a:t>
-            </a:r>
-            <a:r>
-              <a:rPr lang="de-DE" dirty="0" smtClean="0"/>
-              <a:t>und </a:t>
-            </a:r>
-            <a:r>
-              <a:rPr lang="de-DE" dirty="0" smtClean="0"/>
-              <a:t>arbeiten</a:t>
-            </a:r>
-            <a:r>
-              <a:rPr lang="de-DE" dirty="0" smtClean="0"/>
-              <a:t> </a:t>
-            </a:r>
-            <a:r>
-              <a:rPr lang="de-DE" dirty="0" smtClean="0"/>
-              <a:t>gemeinsam statt jeder nur für sich.</a:t>
+              <a:t> vor einem Rechner oder virtuell und arbeiten gemeinsam statt jeder nur für sich.</a:t>
             </a:r>
           </a:p>
           <a:p>
@@ -1700,11 +1664,7 @@
             <a:pPr lvl="0"/>
             <a:r>
               <a:rPr lang="de-DE" dirty="0" smtClean="0"/>
-              <a:t>Hierbei übernimmt jeder Partner beim Pairing eine Rolle</a:t>
-            </a:r>
-            <a:r>
-              <a:rPr lang="de-DE" dirty="0" smtClean="0"/>
-              <a:t>.</a:t>
+              <a:t>Hierbei übernimmt jeder Partner beim Pairing eine Rolle.</a:t>
             </a:r>
           </a:p>
           <a:p>
@@ -1743,7 +1703,6 @@
               <a:rPr lang="de-DE" dirty="0" smtClean="0"/>
               <a:t>angemessen</a:t>
             </a:r>
-            <a:endParaRPr lang="de-DE" dirty="0" smtClean="0"/>
           </a:p>
           <a:p>
             <a:pPr lvl="1"/>
@@ -1772,11 +1731,7 @@
             </a:r>
             <a:r>
               <a:rPr lang="de-DE" dirty="0" smtClean="0"/>
-              <a:t>zeitgleich</a:t>
-            </a:r>
-            <a:r>
-              <a:rPr lang="de-DE" dirty="0" smtClean="0"/>
-              <a:t> ein Review </a:t>
+              <a:t>zeitgleich ein Review </a:t>
             </a:r>
             <a:r>
               <a:rPr lang="de-DE" dirty="0"/>
@@ -1912,7 +1867,9 @@
         </p:nvSpPr>
         <p:spPr/>
         <p:txBody>
-          <a:bodyPr/>
+          <a:bodyPr>
+            <a:normAutofit/>
+          </a:bodyPr>
           <a:lstStyle/>
           <a:p>
             <a:r>
@@ -1929,11 +1886,7 @@
             </a:r>
             <a:r>
               <a:rPr lang="de-DE" dirty="0"/>
-              <a:t>Wochen in </a:t>
-            </a:r>
-            <a:r>
-              <a:rPr lang="de-DE" dirty="0"/>
-              <a:t>2</a:t>
+              <a:t>Wochen in 2</a:t>
             </a:r>
             <a:r>
               <a:rPr lang="de-DE" dirty="0" smtClean="0"/>
@@ -1996,15 +1949,7 @@
           <a:p>
             <a:r>
               <a:rPr lang="de-DE" dirty="0" smtClean="0"/>
-              <a:t>Setze dich mit </a:t>
-            </a:r>
-            <a:r>
-              <a:rPr lang="de-DE" dirty="0" smtClean="0"/>
-              <a:t>Deinem </a:t>
-            </a:r>
-            <a:r>
-              <a:rPr lang="de-DE" dirty="0" smtClean="0"/>
-              <a:t>Team zusammen und besprecht, nach welchen Kriterien ihr die Pairing Sessions Sternebewerten möchtet!</a:t>
+              <a:t>Setze dich mit Deinem Team zusammen und besprecht, nach welchen Kriterien ihr die Pairing Sessions Sternebewerten möchtet!</a:t>
             </a:r>
           </a:p>
           <a:p>
@@ -2013,15 +1958,37 @@
           <a:p>
             <a:r>
               <a:rPr lang="de-DE" dirty="0" smtClean="0"/>
-              <a:t>Jede der </a:t>
-            </a:r>
-            <a:r>
-              <a:rPr lang="de-DE" dirty="0" smtClean="0"/>
-              <a:t>4 </a:t>
-            </a:r>
-            <a:r>
-              <a:rPr lang="de-DE" dirty="0" smtClean="0"/>
-              <a:t>Pairing Sessions muss vom gesamten Team (eingeschlossen beider Pairing Partner) mindestens eine durchschnittliche Sterne Bewertung von 3,0 bekommen, um </a:t>
+              <a:t>Jede der 4 Pairing Sessions muss vom gesamten Team (</a:t>
+            </a:r>
+            <a:r>
+              <a:rPr lang="de-DE" dirty="0" smtClean="0"/>
+              <a:t>eingeschlossen</a:t>
+            </a:r>
+            <a:br>
+              <a:rPr lang="de-DE" dirty="0" smtClean="0"/>
+            </a:br>
+            <a:r>
+              <a:rPr lang="de-DE" dirty="0" smtClean="0"/>
+              <a:t> beider </a:t>
+            </a:r>
+            <a:r>
+              <a:rPr lang="de-DE" dirty="0" smtClean="0"/>
+              <a:t>Pairing Partner) mindestens eine durchschnittliche Sterne </a:t>
+            </a:r>
+            <a:r>
+              <a:rPr lang="de-DE" dirty="0" smtClean="0"/>
+              <a:t>Bewertung</a:t>
+            </a:r>
+            <a:br>
+              <a:rPr lang="de-DE" dirty="0" smtClean="0"/>
+            </a:br>
+            <a:r>
+              <a:rPr lang="de-DE" dirty="0" smtClean="0"/>
+              <a:t> </a:t>
+            </a:r>
+            <a:r>
+              <a:rPr lang="de-DE" dirty="0" smtClean="0"/>
+              <a:t>von 3,0 bekommen, um </a:t>
             </a:r>
             <a:r>
               <a:rPr lang="de-DE" dirty="0" err="1" smtClean="0"/>
@@ -2098,6 +2065,36 @@
           </a:p>
         </p:txBody>
       </p:sp>
+      <p:pic>
+        <p:nvPicPr>
+          <p:cNvPr id="4" name="Bild 3" descr="apprentice.pdf"/>
+          <p:cNvPicPr>
+            <a:picLocks noChangeAspect="1"/>
+          </p:cNvPicPr>
+          <p:nvPr/>
+        </p:nvPicPr>
+        <p:blipFill>
+          <a:blip r:embed="rId2">
+            <a:extLst>
+              <a:ext uri="{28A0092B-C50C-407E-A947-70E740481C1C}">
+                <a14:useLocalDpi xmlns:a14="http://schemas.microsoft.com/office/drawing/2010/main" val="0"/>
+              </a:ext>
+            </a:extLst>
+          </a:blip>
+          <a:stretch>
+            <a:fillRect/>
+          </a:stretch>
+        </p:blipFill>
+        <p:spPr>
+          <a:xfrm>
+            <a:off x="5930583" y="3650685"/>
+            <a:ext cx="939800" cy="914400"/>
+          </a:xfrm>
+          <a:prstGeom prst="rect">
+            <a:avLst/>
+          </a:prstGeom>
+        </p:spPr>
+      </p:pic>
     </p:spTree>
     <p:extLst>
       <p:ext uri="{BB962C8B-B14F-4D97-AF65-F5344CB8AC3E}">
